--- a/demo.pptx
+++ b/demo.pptx
@@ -8,12 +8,13 @@
     <p:sldId id="257" r:id="rId2"/>
     <p:sldId id="258" r:id="rId3"/>
     <p:sldId id="259" r:id="rId4"/>
-    <p:sldId id="261" r:id="rId5"/>
-    <p:sldId id="262" r:id="rId6"/>
-    <p:sldId id="260" r:id="rId7"/>
-    <p:sldId id="263" r:id="rId8"/>
-    <p:sldId id="264" r:id="rId9"/>
-    <p:sldId id="265" r:id="rId10"/>
+    <p:sldId id="266" r:id="rId5"/>
+    <p:sldId id="261" r:id="rId6"/>
+    <p:sldId id="262" r:id="rId7"/>
+    <p:sldId id="260" r:id="rId8"/>
+    <p:sldId id="263" r:id="rId9"/>
+    <p:sldId id="264" r:id="rId10"/>
+    <p:sldId id="265" r:id="rId11"/>
   </p:sldIdLst>
   <p:sldSz cx="12192000" cy="6858000"/>
   <p:notesSz cx="6858000" cy="9144000"/>
@@ -266,7 +267,7 @@
           <a:lstStyle/>
           <a:p>
             <a:fld id="{85AC41AF-1968-6646-9A49-B22EF7857A67}" type="datetimeFigureOut">
-              <a:t>2021/1/1</a:t>
+              <a:t>2021/1/2</a:t>
             </a:fld>
             <a:endParaRPr kumimoji="1" lang="zh-CN" altLang="en-US"/>
           </a:p>
@@ -462,7 +463,7 @@
           <a:lstStyle/>
           <a:p>
             <a:fld id="{85AC41AF-1968-6646-9A49-B22EF7857A67}" type="datetimeFigureOut">
-              <a:t>2021/1/1</a:t>
+              <a:t>2021/1/2</a:t>
             </a:fld>
             <a:endParaRPr kumimoji="1" lang="zh-CN" altLang="en-US"/>
           </a:p>
@@ -668,7 +669,7 @@
           <a:lstStyle/>
           <a:p>
             <a:fld id="{85AC41AF-1968-6646-9A49-B22EF7857A67}" type="datetimeFigureOut">
-              <a:t>2021/1/1</a:t>
+              <a:t>2021/1/2</a:t>
             </a:fld>
             <a:endParaRPr kumimoji="1" lang="zh-CN" altLang="en-US"/>
           </a:p>
@@ -864,7 +865,7 @@
           <a:lstStyle/>
           <a:p>
             <a:fld id="{85AC41AF-1968-6646-9A49-B22EF7857A67}" type="datetimeFigureOut">
-              <a:t>2021/1/1</a:t>
+              <a:t>2021/1/2</a:t>
             </a:fld>
             <a:endParaRPr kumimoji="1" lang="zh-CN" altLang="en-US"/>
           </a:p>
@@ -1137,7 +1138,7 @@
           <a:lstStyle/>
           <a:p>
             <a:fld id="{85AC41AF-1968-6646-9A49-B22EF7857A67}" type="datetimeFigureOut">
-              <a:t>2021/1/1</a:t>
+              <a:t>2021/1/2</a:t>
             </a:fld>
             <a:endParaRPr kumimoji="1" lang="zh-CN" altLang="en-US"/>
           </a:p>
@@ -1400,7 +1401,7 @@
           <a:lstStyle/>
           <a:p>
             <a:fld id="{85AC41AF-1968-6646-9A49-B22EF7857A67}" type="datetimeFigureOut">
-              <a:t>2021/1/1</a:t>
+              <a:t>2021/1/2</a:t>
             </a:fld>
             <a:endParaRPr kumimoji="1" lang="zh-CN" altLang="en-US"/>
           </a:p>
@@ -1810,7 +1811,7 @@
           <a:lstStyle/>
           <a:p>
             <a:fld id="{85AC41AF-1968-6646-9A49-B22EF7857A67}" type="datetimeFigureOut">
-              <a:t>2021/1/1</a:t>
+              <a:t>2021/1/2</a:t>
             </a:fld>
             <a:endParaRPr kumimoji="1" lang="zh-CN" altLang="en-US"/>
           </a:p>
@@ -1949,7 +1950,7 @@
           <a:lstStyle/>
           <a:p>
             <a:fld id="{85AC41AF-1968-6646-9A49-B22EF7857A67}" type="datetimeFigureOut">
-              <a:t>2021/1/1</a:t>
+              <a:t>2021/1/2</a:t>
             </a:fld>
             <a:endParaRPr kumimoji="1" lang="zh-CN" altLang="en-US"/>
           </a:p>
@@ -2060,7 +2061,7 @@
           <a:lstStyle/>
           <a:p>
             <a:fld id="{85AC41AF-1968-6646-9A49-B22EF7857A67}" type="datetimeFigureOut">
-              <a:t>2021/1/1</a:t>
+              <a:t>2021/1/2</a:t>
             </a:fld>
             <a:endParaRPr kumimoji="1" lang="zh-CN" altLang="en-US"/>
           </a:p>
@@ -2369,7 +2370,7 @@
           <a:lstStyle/>
           <a:p>
             <a:fld id="{85AC41AF-1968-6646-9A49-B22EF7857A67}" type="datetimeFigureOut">
-              <a:t>2021/1/1</a:t>
+              <a:t>2021/1/2</a:t>
             </a:fld>
             <a:endParaRPr kumimoji="1" lang="zh-CN" altLang="en-US"/>
           </a:p>
@@ -2655,7 +2656,7 @@
           <a:lstStyle/>
           <a:p>
             <a:fld id="{85AC41AF-1968-6646-9A49-B22EF7857A67}" type="datetimeFigureOut">
-              <a:t>2021/1/1</a:t>
+              <a:t>2021/1/2</a:t>
             </a:fld>
             <a:endParaRPr kumimoji="1" lang="zh-CN" altLang="en-US"/>
           </a:p>
@@ -2894,7 +2895,7 @@
           </a:lstStyle>
           <a:p>
             <a:fld id="{85AC41AF-1968-6646-9A49-B22EF7857A67}" type="datetimeFigureOut">
-              <a:t>2021/1/1</a:t>
+              <a:t>2021/1/2</a:t>
             </a:fld>
             <a:endParaRPr kumimoji="1" lang="zh-CN" altLang="en-US"/>
           </a:p>
@@ -6308,6 +6309,78 @@
 </p:sld>
 </file>
 
+<file path=ppt/slides/slide10.xml><?xml version="1.0" encoding="utf-8"?>
+<p:sld xmlns:a="http://schemas.openxmlformats.org/drawingml/2006/main" xmlns:r="http://schemas.openxmlformats.org/officeDocument/2006/relationships" xmlns:p="http://schemas.openxmlformats.org/presentationml/2006/main">
+  <p:cSld>
+    <p:spTree>
+      <p:nvGrpSpPr>
+        <p:cNvPr id="1" name=""/>
+        <p:cNvGrpSpPr/>
+        <p:nvPr/>
+      </p:nvGrpSpPr>
+      <p:grpSpPr>
+        <a:xfrm>
+          <a:off x="0" y="0"/>
+          <a:ext cx="0" cy="0"/>
+          <a:chOff x="0" y="0"/>
+          <a:chExt cx="0" cy="0"/>
+        </a:xfrm>
+      </p:grpSpPr>
+      <p:sp>
+        <p:nvSpPr>
+          <p:cNvPr id="2" name="矩形 1">
+            <a:extLst>
+              <a:ext uri="{FF2B5EF4-FFF2-40B4-BE49-F238E27FC236}">
+                <a16:creationId xmlns:a16="http://schemas.microsoft.com/office/drawing/2014/main" id="{56D8AB6B-15BC-2F49-9D36-3AFF44EA6CE0}"/>
+              </a:ext>
+            </a:extLst>
+          </p:cNvPr>
+          <p:cNvSpPr/>
+          <p:nvPr/>
+        </p:nvSpPr>
+        <p:spPr>
+          <a:xfrm>
+            <a:off x="0" y="135177"/>
+            <a:ext cx="973343" cy="276999"/>
+          </a:xfrm>
+          <a:prstGeom prst="rect">
+            <a:avLst/>
+          </a:prstGeom>
+        </p:spPr>
+        <p:txBody>
+          <a:bodyPr wrap="none">
+            <a:spAutoFit/>
+          </a:bodyPr>
+          <a:lstStyle/>
+          <a:p>
+            <a:pPr marL="171450" lvl="0" indent="-171450">
+              <a:buFont typeface="Arial" panose="020B0604020202020204" pitchFamily="34" charset="0"/>
+              <a:buChar char="•"/>
+            </a:pPr>
+            <a:r>
+              <a:rPr kumimoji="1" lang="zh-CN" altLang="en-US" sz="1200">
+                <a:solidFill>
+                  <a:prstClr val="black"/>
+                </a:solidFill>
+              </a:rPr>
+              <a:t>执行流程</a:t>
+            </a:r>
+          </a:p>
+        </p:txBody>
+      </p:sp>
+    </p:spTree>
+    <p:extLst>
+      <p:ext uri="{BB962C8B-B14F-4D97-AF65-F5344CB8AC3E}">
+        <p14:creationId xmlns:p14="http://schemas.microsoft.com/office/powerpoint/2010/main" val="3612344785"/>
+      </p:ext>
+    </p:extLst>
+  </p:cSld>
+  <p:clrMapOvr>
+    <a:masterClrMapping/>
+  </p:clrMapOvr>
+</p:sld>
+</file>
+
 <file path=ppt/slides/slide2.xml><?xml version="1.0" encoding="utf-8"?>
 <p:sld xmlns:a="http://schemas.openxmlformats.org/drawingml/2006/main" xmlns:r="http://schemas.openxmlformats.org/officeDocument/2006/relationships" xmlns:p="http://schemas.openxmlformats.org/presentationml/2006/main">
   <p:cSld>
@@ -11871,6 +11944,78 @@
           </a:p>
         </p:txBody>
       </p:sp>
+      <p:sp>
+        <p:nvSpPr>
+          <p:cNvPr id="72" name="文本框 71">
+            <a:extLst>
+              <a:ext uri="{FF2B5EF4-FFF2-40B4-BE49-F238E27FC236}">
+                <a16:creationId xmlns:a16="http://schemas.microsoft.com/office/drawing/2014/main" id="{319F87AE-456E-F544-A309-122F434E01BE}"/>
+              </a:ext>
+            </a:extLst>
+          </p:cNvPr>
+          <p:cNvSpPr txBox="1"/>
+          <p:nvPr/>
+        </p:nvSpPr>
+        <p:spPr>
+          <a:xfrm>
+            <a:off x="2924785" y="4472573"/>
+            <a:ext cx="877115" cy="276999"/>
+          </a:xfrm>
+          <a:prstGeom prst="rect">
+            <a:avLst/>
+          </a:prstGeom>
+          <a:noFill/>
+        </p:spPr>
+        <p:txBody>
+          <a:bodyPr wrap="square" rtlCol="0">
+            <a:spAutoFit/>
+          </a:bodyPr>
+          <a:lstStyle/>
+          <a:p>
+            <a:r>
+              <a:rPr kumimoji="1" lang="en-US" altLang="zh-CN" sz="1200"/>
+              <a:t>net_event</a:t>
+            </a:r>
+            <a:endParaRPr kumimoji="1" lang="zh-CN" altLang="en-US" sz="1200"/>
+          </a:p>
+        </p:txBody>
+      </p:sp>
+      <p:sp>
+        <p:nvSpPr>
+          <p:cNvPr id="73" name="文本框 72">
+            <a:extLst>
+              <a:ext uri="{FF2B5EF4-FFF2-40B4-BE49-F238E27FC236}">
+                <a16:creationId xmlns:a16="http://schemas.microsoft.com/office/drawing/2014/main" id="{D9DBD77B-E854-8148-AF3B-3914C2D960C5}"/>
+              </a:ext>
+            </a:extLst>
+          </p:cNvPr>
+          <p:cNvSpPr txBox="1"/>
+          <p:nvPr/>
+        </p:nvSpPr>
+        <p:spPr>
+          <a:xfrm>
+            <a:off x="2887272" y="5230642"/>
+            <a:ext cx="1101369" cy="276999"/>
+          </a:xfrm>
+          <a:prstGeom prst="rect">
+            <a:avLst/>
+          </a:prstGeom>
+          <a:noFill/>
+        </p:spPr>
+        <p:txBody>
+          <a:bodyPr wrap="square" rtlCol="0">
+            <a:spAutoFit/>
+          </a:bodyPr>
+          <a:lstStyle/>
+          <a:p>
+            <a:r>
+              <a:rPr kumimoji="1" lang="en-US" altLang="zh-CN" sz="1200"/>
+              <a:t>local_event</a:t>
+            </a:r>
+            <a:endParaRPr kumimoji="1" lang="zh-CN" altLang="en-US" sz="1200"/>
+          </a:p>
+        </p:txBody>
+      </p:sp>
     </p:spTree>
     <p:extLst>
       <p:ext uri="{BB962C8B-B14F-4D97-AF65-F5344CB8AC3E}">
@@ -11906,7 +12051,7 @@
           <p:cNvPr id="2" name="矩形 1">
             <a:extLst>
               <a:ext uri="{FF2B5EF4-FFF2-40B4-BE49-F238E27FC236}">
-                <a16:creationId xmlns:a16="http://schemas.microsoft.com/office/drawing/2014/main" id="{2062CF0D-A597-2B48-907B-65533FA23EFF}"/>
+                <a16:creationId xmlns:a16="http://schemas.microsoft.com/office/drawing/2014/main" id="{DF2DF191-FA15-0746-9808-D190D8B971F2}"/>
               </a:ext>
             </a:extLst>
           </p:cNvPr>
@@ -11915,50 +12060,8 @@
         </p:nvSpPr>
         <p:spPr>
           <a:xfrm>
-            <a:off x="0" y="107882"/>
-            <a:ext cx="973343" cy="276999"/>
-          </a:xfrm>
-          <a:prstGeom prst="rect">
-            <a:avLst/>
-          </a:prstGeom>
-        </p:spPr>
-        <p:txBody>
-          <a:bodyPr wrap="none">
-            <a:spAutoFit/>
-          </a:bodyPr>
-          <a:lstStyle/>
-          <a:p>
-            <a:pPr marL="171450" lvl="0" indent="-171450">
-              <a:buFont typeface="Arial" panose="020B0604020202020204" pitchFamily="34" charset="0"/>
-              <a:buChar char="•"/>
-            </a:pPr>
-            <a:r>
-              <a:rPr kumimoji="1" lang="zh-CN" altLang="en-US" sz="1200">
-                <a:solidFill>
-                  <a:prstClr val="black"/>
-                </a:solidFill>
-              </a:rPr>
-              <a:t>场景覆盖</a:t>
-            </a:r>
-          </a:p>
-        </p:txBody>
-      </p:sp>
-      <p:sp>
-        <p:nvSpPr>
-          <p:cNvPr id="3" name="矩形 2">
-            <a:extLst>
-              <a:ext uri="{FF2B5EF4-FFF2-40B4-BE49-F238E27FC236}">
-                <a16:creationId xmlns:a16="http://schemas.microsoft.com/office/drawing/2014/main" id="{3AD6B838-DEBC-1B4E-B5B1-043C74106236}"/>
-              </a:ext>
-            </a:extLst>
-          </p:cNvPr>
-          <p:cNvSpPr/>
-          <p:nvPr/>
-        </p:nvSpPr>
-        <p:spPr>
-          <a:xfrm>
-            <a:off x="4249733" y="258469"/>
-            <a:ext cx="685225" cy="259307"/>
+            <a:off x="3227150" y="555092"/>
+            <a:ext cx="1104897" cy="382491"/>
           </a:xfrm>
           <a:prstGeom prst="rect">
             <a:avLst/>
@@ -11985,7 +12088,7 @@
             <a:pPr algn="ctr"/>
             <a:r>
               <a:rPr kumimoji="1" lang="en-US" altLang="zh-CN" sz="1200"/>
-              <a:t>client</a:t>
+              <a:t>ordef</a:t>
             </a:r>
             <a:r>
               <a:rPr kumimoji="1" lang="zh-CN" altLang="en-US" sz="1200"/>
@@ -11993,7 +12096,7 @@
             </a:r>
             <a:r>
               <a:rPr kumimoji="1" lang="en-US" altLang="zh-CN" sz="1200"/>
-              <a:t>b</a:t>
+              <a:t>parse</a:t>
             </a:r>
             <a:endParaRPr kumimoji="1" lang="zh-CN" altLang="en-US" sz="1200"/>
           </a:p>
@@ -12001,10 +12104,10 @@
       </p:sp>
       <p:sp>
         <p:nvSpPr>
-          <p:cNvPr id="4" name="矩形 3">
-            <a:extLst>
-              <a:ext uri="{FF2B5EF4-FFF2-40B4-BE49-F238E27FC236}">
-                <a16:creationId xmlns:a16="http://schemas.microsoft.com/office/drawing/2014/main" id="{9EE9425D-2A6C-7C4C-B0A3-56933173DB58}"/>
+          <p:cNvPr id="3" name="矩形 2">
+            <a:extLst>
+              <a:ext uri="{FF2B5EF4-FFF2-40B4-BE49-F238E27FC236}">
+                <a16:creationId xmlns:a16="http://schemas.microsoft.com/office/drawing/2014/main" id="{EB907A82-109C-0544-B026-738D06CC6AA0}"/>
               </a:ext>
             </a:extLst>
           </p:cNvPr>
@@ -12013,8 +12116,8 @@
         </p:nvSpPr>
         <p:spPr>
           <a:xfrm>
-            <a:off x="2655373" y="255227"/>
-            <a:ext cx="685225" cy="259307"/>
+            <a:off x="5211042" y="603135"/>
+            <a:ext cx="1104897" cy="254994"/>
           </a:xfrm>
           <a:prstGeom prst="rect">
             <a:avLst/>
@@ -12041,15 +12144,7 @@
             <a:pPr algn="ctr"/>
             <a:r>
               <a:rPr kumimoji="1" lang="en-US" altLang="zh-CN" sz="1200"/>
-              <a:t>client</a:t>
-            </a:r>
-            <a:r>
-              <a:rPr kumimoji="1" lang="zh-CN" altLang="en-US" sz="1200"/>
-              <a:t> </a:t>
-            </a:r>
-            <a:r>
-              <a:rPr kumimoji="1" lang="en-US" altLang="zh-CN" sz="1200"/>
-              <a:t>a</a:t>
+              <a:t>order</a:t>
             </a:r>
             <a:endParaRPr kumimoji="1" lang="zh-CN" altLang="en-US" sz="1200"/>
           </a:p>
@@ -12057,10 +12152,88 @@
       </p:sp>
       <p:sp>
         <p:nvSpPr>
-          <p:cNvPr id="5" name="矩形 4">
-            <a:extLst>
-              <a:ext uri="{FF2B5EF4-FFF2-40B4-BE49-F238E27FC236}">
-                <a16:creationId xmlns:a16="http://schemas.microsoft.com/office/drawing/2014/main" id="{042FACC0-E8FC-014E-B121-AF57D140FDEB}"/>
+          <p:cNvPr id="4" name="文本框 3">
+            <a:extLst>
+              <a:ext uri="{FF2B5EF4-FFF2-40B4-BE49-F238E27FC236}">
+                <a16:creationId xmlns:a16="http://schemas.microsoft.com/office/drawing/2014/main" id="{3086DEB3-BDDA-484D-8868-338FCC9A57D2}"/>
+              </a:ext>
+            </a:extLst>
+          </p:cNvPr>
+          <p:cNvSpPr txBox="1"/>
+          <p:nvPr/>
+        </p:nvSpPr>
+        <p:spPr>
+          <a:xfrm>
+            <a:off x="3766223" y="99319"/>
+            <a:ext cx="737380" cy="276999"/>
+          </a:xfrm>
+          <a:prstGeom prst="rect">
+            <a:avLst/>
+          </a:prstGeom>
+          <a:noFill/>
+        </p:spPr>
+        <p:txBody>
+          <a:bodyPr wrap="square" rtlCol="0">
+            <a:spAutoFit/>
+          </a:bodyPr>
+          <a:lstStyle/>
+          <a:p>
+            <a:r>
+              <a:rPr kumimoji="1" lang="en-US" altLang="zh-CN" sz="1200"/>
+              <a:t>order</a:t>
+            </a:r>
+            <a:endParaRPr kumimoji="1" lang="zh-CN" altLang="en-US" sz="1200"/>
+          </a:p>
+        </p:txBody>
+      </p:sp>
+      <p:cxnSp>
+        <p:nvCxnSpPr>
+          <p:cNvPr id="5" name="直线箭头连接符 4">
+            <a:extLst>
+              <a:ext uri="{FF2B5EF4-FFF2-40B4-BE49-F238E27FC236}">
+                <a16:creationId xmlns:a16="http://schemas.microsoft.com/office/drawing/2014/main" id="{1A450D0F-9760-2148-8772-58F03B34A60B}"/>
+              </a:ext>
+            </a:extLst>
+          </p:cNvPr>
+          <p:cNvCxnSpPr>
+            <a:cxnSpLocks/>
+            <a:endCxn id="2" idx="0"/>
+          </p:cNvCxnSpPr>
+          <p:nvPr/>
+        </p:nvCxnSpPr>
+        <p:spPr>
+          <a:xfrm>
+            <a:off x="3779599" y="79454"/>
+            <a:ext cx="0" cy="475638"/>
+          </a:xfrm>
+          <a:prstGeom prst="straightConnector1">
+            <a:avLst/>
+          </a:prstGeom>
+          <a:ln>
+            <a:tailEnd type="triangle"/>
+          </a:ln>
+        </p:spPr>
+        <p:style>
+          <a:lnRef idx="1">
+            <a:schemeClr val="accent3"/>
+          </a:lnRef>
+          <a:fillRef idx="0">
+            <a:schemeClr val="accent3"/>
+          </a:fillRef>
+          <a:effectRef idx="0">
+            <a:schemeClr val="accent3"/>
+          </a:effectRef>
+          <a:fontRef idx="minor">
+            <a:schemeClr val="tx1"/>
+          </a:fontRef>
+        </p:style>
+      </p:cxnSp>
+      <p:sp>
+        <p:nvSpPr>
+          <p:cNvPr id="12" name="矩形 11">
+            <a:extLst>
+              <a:ext uri="{FF2B5EF4-FFF2-40B4-BE49-F238E27FC236}">
+                <a16:creationId xmlns:a16="http://schemas.microsoft.com/office/drawing/2014/main" id="{B9D85C9F-6BD2-014D-AB1B-4FD09CA2616B}"/>
               </a:ext>
             </a:extLst>
           </p:cNvPr>
@@ -12069,8 +12242,8 @@
         </p:nvSpPr>
         <p:spPr>
           <a:xfrm>
-            <a:off x="5935688" y="255227"/>
-            <a:ext cx="685225" cy="259307"/>
+            <a:off x="3951154" y="2408963"/>
+            <a:ext cx="1104897" cy="382491"/>
           </a:xfrm>
           <a:prstGeom prst="rect">
             <a:avLst/>
@@ -12097,7 +12270,7 @@
             <a:pPr algn="ctr"/>
             <a:r>
               <a:rPr kumimoji="1" lang="en-US" altLang="zh-CN" sz="1200"/>
-              <a:t>client</a:t>
+              <a:t>my</a:t>
             </a:r>
             <a:r>
               <a:rPr kumimoji="1" lang="zh-CN" altLang="en-US" sz="1200"/>
@@ -12105,7 +12278,7 @@
             </a:r>
             <a:r>
               <a:rPr kumimoji="1" lang="en-US" altLang="zh-CN" sz="1200"/>
-              <a:t>c</a:t>
+              <a:t>event</a:t>
             </a:r>
             <a:endParaRPr kumimoji="1" lang="zh-CN" altLang="en-US" sz="1200"/>
           </a:p>
@@ -12113,10 +12286,54 @@
       </p:sp>
       <p:sp>
         <p:nvSpPr>
-          <p:cNvPr id="6" name="矩形 5">
-            <a:extLst>
-              <a:ext uri="{FF2B5EF4-FFF2-40B4-BE49-F238E27FC236}">
-                <a16:creationId xmlns:a16="http://schemas.microsoft.com/office/drawing/2014/main" id="{78D8676B-8D8D-CC47-91FA-62BDDAA99A66}"/>
+          <p:cNvPr id="13" name="文本框 12">
+            <a:extLst>
+              <a:ext uri="{FF2B5EF4-FFF2-40B4-BE49-F238E27FC236}">
+                <a16:creationId xmlns:a16="http://schemas.microsoft.com/office/drawing/2014/main" id="{CE5D8D1A-2C04-A540-8F89-B2BE700A4B64}"/>
+              </a:ext>
+            </a:extLst>
+          </p:cNvPr>
+          <p:cNvSpPr txBox="1"/>
+          <p:nvPr/>
+        </p:nvSpPr>
+        <p:spPr>
+          <a:xfrm>
+            <a:off x="6096002" y="992603"/>
+            <a:ext cx="930468" cy="276999"/>
+          </a:xfrm>
+          <a:prstGeom prst="rect">
+            <a:avLst/>
+          </a:prstGeom>
+          <a:noFill/>
+        </p:spPr>
+        <p:txBody>
+          <a:bodyPr wrap="square" rtlCol="0">
+            <a:spAutoFit/>
+          </a:bodyPr>
+          <a:lstStyle/>
+          <a:p>
+            <a:r>
+              <a:rPr kumimoji="1" lang="en-US" altLang="zh-CN" sz="1200"/>
+              <a:t>order</a:t>
+            </a:r>
+            <a:r>
+              <a:rPr kumimoji="1" lang="zh-CN" altLang="en-US" sz="1200"/>
+              <a:t> </a:t>
+            </a:r>
+            <a:r>
+              <a:rPr kumimoji="1" lang="en-US" altLang="zh-CN" sz="1200"/>
+              <a:t>plus</a:t>
+            </a:r>
+            <a:endParaRPr kumimoji="1" lang="zh-CN" altLang="en-US" sz="1200"/>
+          </a:p>
+        </p:txBody>
+      </p:sp>
+      <p:sp>
+        <p:nvSpPr>
+          <p:cNvPr id="14" name="矩形 13">
+            <a:extLst>
+              <a:ext uri="{FF2B5EF4-FFF2-40B4-BE49-F238E27FC236}">
+                <a16:creationId xmlns:a16="http://schemas.microsoft.com/office/drawing/2014/main" id="{871324FD-C61F-784A-BBF2-9335DEAE8392}"/>
               </a:ext>
             </a:extLst>
           </p:cNvPr>
@@ -12125,8 +12342,8 @@
         </p:nvSpPr>
         <p:spPr>
           <a:xfrm>
-            <a:off x="7674094" y="255227"/>
-            <a:ext cx="685225" cy="259307"/>
+            <a:off x="3227150" y="1442301"/>
+            <a:ext cx="1104897" cy="382491"/>
           </a:xfrm>
           <a:prstGeom prst="rect">
             <a:avLst/>
@@ -12153,6 +12370,543 @@
             <a:pPr algn="ctr"/>
             <a:r>
               <a:rPr kumimoji="1" lang="en-US" altLang="zh-CN" sz="1200"/>
+              <a:t>event</a:t>
+            </a:r>
+            <a:r>
+              <a:rPr kumimoji="1" lang="zh-CN" altLang="en-US" sz="1200"/>
+              <a:t> </a:t>
+            </a:r>
+            <a:r>
+              <a:rPr kumimoji="1" lang="en-US" altLang="zh-CN" sz="1200"/>
+              <a:t>parser</a:t>
+            </a:r>
+            <a:endParaRPr kumimoji="1" lang="zh-CN" altLang="en-US" sz="1200"/>
+          </a:p>
+        </p:txBody>
+      </p:sp>
+      <p:sp>
+        <p:nvSpPr>
+          <p:cNvPr id="15" name="矩形 14">
+            <a:extLst>
+              <a:ext uri="{FF2B5EF4-FFF2-40B4-BE49-F238E27FC236}">
+                <a16:creationId xmlns:a16="http://schemas.microsoft.com/office/drawing/2014/main" id="{105CE35A-3FEB-9C4B-8BDF-A0F537F1931B}"/>
+              </a:ext>
+            </a:extLst>
+          </p:cNvPr>
+          <p:cNvSpPr/>
+          <p:nvPr/>
+        </p:nvSpPr>
+        <p:spPr>
+          <a:xfrm>
+            <a:off x="2460915" y="2408964"/>
+            <a:ext cx="1104897" cy="382491"/>
+          </a:xfrm>
+          <a:prstGeom prst="rect">
+            <a:avLst/>
+          </a:prstGeom>
+        </p:spPr>
+        <p:style>
+          <a:lnRef idx="2">
+            <a:schemeClr val="dk1"/>
+          </a:lnRef>
+          <a:fillRef idx="1">
+            <a:schemeClr val="lt1"/>
+          </a:fillRef>
+          <a:effectRef idx="0">
+            <a:schemeClr val="dk1"/>
+          </a:effectRef>
+          <a:fontRef idx="minor">
+            <a:schemeClr val="dk1"/>
+          </a:fontRef>
+        </p:style>
+        <p:txBody>
+          <a:bodyPr rtlCol="0" anchor="ctr"/>
+          <a:lstStyle/>
+          <a:p>
+            <a:pPr algn="ctr"/>
+            <a:r>
+              <a:rPr kumimoji="1" lang="en-US" altLang="zh-CN" sz="1200"/>
+              <a:t>not</a:t>
+            </a:r>
+            <a:r>
+              <a:rPr kumimoji="1" lang="zh-CN" altLang="en-US" sz="1200"/>
+              <a:t> </a:t>
+            </a:r>
+            <a:r>
+              <a:rPr kumimoji="1" lang="en-US" altLang="zh-CN" sz="1200"/>
+              <a:t>my</a:t>
+            </a:r>
+            <a:r>
+              <a:rPr kumimoji="1" lang="zh-CN" altLang="en-US" sz="1200"/>
+              <a:t> </a:t>
+            </a:r>
+            <a:r>
+              <a:rPr kumimoji="1" lang="en-US" altLang="zh-CN" sz="1200"/>
+              <a:t>event</a:t>
+            </a:r>
+            <a:endParaRPr kumimoji="1" lang="zh-CN" altLang="en-US" sz="1200"/>
+          </a:p>
+        </p:txBody>
+      </p:sp>
+      <p:cxnSp>
+        <p:nvCxnSpPr>
+          <p:cNvPr id="19" name="肘形连接符 18">
+            <a:extLst>
+              <a:ext uri="{FF2B5EF4-FFF2-40B4-BE49-F238E27FC236}">
+                <a16:creationId xmlns:a16="http://schemas.microsoft.com/office/drawing/2014/main" id="{9F2C6F8F-369C-4443-8603-451DF3C1BFF0}"/>
+              </a:ext>
+            </a:extLst>
+          </p:cNvPr>
+          <p:cNvCxnSpPr>
+            <a:cxnSpLocks/>
+            <a:stCxn id="14" idx="2"/>
+            <a:endCxn id="15" idx="0"/>
+          </p:cNvCxnSpPr>
+          <p:nvPr/>
+        </p:nvCxnSpPr>
+        <p:spPr>
+          <a:xfrm rot="5400000">
+            <a:off x="3104396" y="1733761"/>
+            <a:ext cx="584172" cy="766235"/>
+          </a:xfrm>
+          <a:prstGeom prst="bentConnector3">
+            <a:avLst>
+              <a:gd name="adj1" fmla="val 50000"/>
+            </a:avLst>
+          </a:prstGeom>
+          <a:ln>
+            <a:tailEnd type="triangle"/>
+          </a:ln>
+        </p:spPr>
+        <p:style>
+          <a:lnRef idx="1">
+            <a:schemeClr val="accent3"/>
+          </a:lnRef>
+          <a:fillRef idx="0">
+            <a:schemeClr val="accent3"/>
+          </a:fillRef>
+          <a:effectRef idx="0">
+            <a:schemeClr val="accent3"/>
+          </a:effectRef>
+          <a:fontRef idx="minor">
+            <a:schemeClr val="tx1"/>
+          </a:fontRef>
+        </p:style>
+      </p:cxnSp>
+      <p:sp>
+        <p:nvSpPr>
+          <p:cNvPr id="23" name="文本框 22">
+            <a:extLst>
+              <a:ext uri="{FF2B5EF4-FFF2-40B4-BE49-F238E27FC236}">
+                <a16:creationId xmlns:a16="http://schemas.microsoft.com/office/drawing/2014/main" id="{A1936CF3-FC94-4B41-8829-A7A1428D2EB7}"/>
+              </a:ext>
+            </a:extLst>
+          </p:cNvPr>
+          <p:cNvSpPr txBox="1"/>
+          <p:nvPr/>
+        </p:nvSpPr>
+        <p:spPr>
+          <a:xfrm>
+            <a:off x="3840064" y="992602"/>
+            <a:ext cx="930468" cy="276999"/>
+          </a:xfrm>
+          <a:prstGeom prst="rect">
+            <a:avLst/>
+          </a:prstGeom>
+          <a:noFill/>
+        </p:spPr>
+        <p:txBody>
+          <a:bodyPr wrap="square" rtlCol="0">
+            <a:spAutoFit/>
+          </a:bodyPr>
+          <a:lstStyle/>
+          <a:p>
+            <a:r>
+              <a:rPr kumimoji="1" lang="en-US" altLang="zh-CN" sz="1200"/>
+              <a:t>order</a:t>
+            </a:r>
+            <a:r>
+              <a:rPr kumimoji="1" lang="zh-CN" altLang="en-US" sz="1200"/>
+              <a:t> </a:t>
+            </a:r>
+            <a:r>
+              <a:rPr kumimoji="1" lang="en-US" altLang="zh-CN" sz="1200"/>
+              <a:t>plus</a:t>
+            </a:r>
+            <a:endParaRPr kumimoji="1" lang="zh-CN" altLang="en-US" sz="1200"/>
+          </a:p>
+        </p:txBody>
+      </p:sp>
+      <p:cxnSp>
+        <p:nvCxnSpPr>
+          <p:cNvPr id="28" name="肘形连接符 27">
+            <a:extLst>
+              <a:ext uri="{FF2B5EF4-FFF2-40B4-BE49-F238E27FC236}">
+                <a16:creationId xmlns:a16="http://schemas.microsoft.com/office/drawing/2014/main" id="{2147B0CD-0637-C14A-B518-8BC98805FB5A}"/>
+              </a:ext>
+            </a:extLst>
+          </p:cNvPr>
+          <p:cNvCxnSpPr>
+            <a:cxnSpLocks/>
+            <a:stCxn id="14" idx="2"/>
+            <a:endCxn id="12" idx="0"/>
+          </p:cNvCxnSpPr>
+          <p:nvPr/>
+        </p:nvCxnSpPr>
+        <p:spPr>
+          <a:xfrm rot="16200000" flipH="1">
+            <a:off x="3849516" y="1754875"/>
+            <a:ext cx="584171" cy="724004"/>
+          </a:xfrm>
+          <a:prstGeom prst="bentConnector3">
+            <a:avLst>
+              <a:gd name="adj1" fmla="val 50000"/>
+            </a:avLst>
+          </a:prstGeom>
+          <a:ln>
+            <a:tailEnd type="triangle"/>
+          </a:ln>
+        </p:spPr>
+        <p:style>
+          <a:lnRef idx="1">
+            <a:schemeClr val="accent3"/>
+          </a:lnRef>
+          <a:fillRef idx="0">
+            <a:schemeClr val="accent3"/>
+          </a:fillRef>
+          <a:effectRef idx="0">
+            <a:schemeClr val="accent3"/>
+          </a:effectRef>
+          <a:fontRef idx="minor">
+            <a:schemeClr val="tx1"/>
+          </a:fontRef>
+        </p:style>
+      </p:cxnSp>
+      <p:cxnSp>
+        <p:nvCxnSpPr>
+          <p:cNvPr id="31" name="直线箭头连接符 30">
+            <a:extLst>
+              <a:ext uri="{FF2B5EF4-FFF2-40B4-BE49-F238E27FC236}">
+                <a16:creationId xmlns:a16="http://schemas.microsoft.com/office/drawing/2014/main" id="{EB0665FF-BACE-C543-8C87-B119D4571EDC}"/>
+              </a:ext>
+            </a:extLst>
+          </p:cNvPr>
+          <p:cNvCxnSpPr>
+            <a:cxnSpLocks/>
+            <a:stCxn id="2" idx="2"/>
+            <a:endCxn id="14" idx="0"/>
+          </p:cNvCxnSpPr>
+          <p:nvPr/>
+        </p:nvCxnSpPr>
+        <p:spPr>
+          <a:xfrm>
+            <a:off x="3779599" y="937583"/>
+            <a:ext cx="0" cy="504718"/>
+          </a:xfrm>
+          <a:prstGeom prst="straightConnector1">
+            <a:avLst/>
+          </a:prstGeom>
+          <a:ln>
+            <a:tailEnd type="triangle"/>
+          </a:ln>
+        </p:spPr>
+        <p:style>
+          <a:lnRef idx="1">
+            <a:schemeClr val="accent3"/>
+          </a:lnRef>
+          <a:fillRef idx="0">
+            <a:schemeClr val="accent3"/>
+          </a:fillRef>
+          <a:effectRef idx="0">
+            <a:schemeClr val="accent3"/>
+          </a:effectRef>
+          <a:fontRef idx="minor">
+            <a:schemeClr val="tx1"/>
+          </a:fontRef>
+        </p:style>
+      </p:cxnSp>
+    </p:spTree>
+    <p:extLst>
+      <p:ext uri="{BB962C8B-B14F-4D97-AF65-F5344CB8AC3E}">
+        <p14:creationId xmlns:p14="http://schemas.microsoft.com/office/powerpoint/2010/main" val="3911523549"/>
+      </p:ext>
+    </p:extLst>
+  </p:cSld>
+  <p:clrMapOvr>
+    <a:masterClrMapping/>
+  </p:clrMapOvr>
+</p:sld>
+</file>
+
+<file path=ppt/slides/slide5.xml><?xml version="1.0" encoding="utf-8"?>
+<p:sld xmlns:a="http://schemas.openxmlformats.org/drawingml/2006/main" xmlns:r="http://schemas.openxmlformats.org/officeDocument/2006/relationships" xmlns:p="http://schemas.openxmlformats.org/presentationml/2006/main">
+  <p:cSld>
+    <p:spTree>
+      <p:nvGrpSpPr>
+        <p:cNvPr id="1" name=""/>
+        <p:cNvGrpSpPr/>
+        <p:nvPr/>
+      </p:nvGrpSpPr>
+      <p:grpSpPr>
+        <a:xfrm>
+          <a:off x="0" y="0"/>
+          <a:ext cx="0" cy="0"/>
+          <a:chOff x="0" y="0"/>
+          <a:chExt cx="0" cy="0"/>
+        </a:xfrm>
+      </p:grpSpPr>
+      <p:sp>
+        <p:nvSpPr>
+          <p:cNvPr id="2" name="矩形 1">
+            <a:extLst>
+              <a:ext uri="{FF2B5EF4-FFF2-40B4-BE49-F238E27FC236}">
+                <a16:creationId xmlns:a16="http://schemas.microsoft.com/office/drawing/2014/main" id="{2062CF0D-A597-2B48-907B-65533FA23EFF}"/>
+              </a:ext>
+            </a:extLst>
+          </p:cNvPr>
+          <p:cNvSpPr/>
+          <p:nvPr/>
+        </p:nvSpPr>
+        <p:spPr>
+          <a:xfrm>
+            <a:off x="0" y="107882"/>
+            <a:ext cx="973343" cy="276999"/>
+          </a:xfrm>
+          <a:prstGeom prst="rect">
+            <a:avLst/>
+          </a:prstGeom>
+        </p:spPr>
+        <p:txBody>
+          <a:bodyPr wrap="none">
+            <a:spAutoFit/>
+          </a:bodyPr>
+          <a:lstStyle/>
+          <a:p>
+            <a:pPr marL="171450" lvl="0" indent="-171450">
+              <a:buFont typeface="Arial" panose="020B0604020202020204" pitchFamily="34" charset="0"/>
+              <a:buChar char="•"/>
+            </a:pPr>
+            <a:r>
+              <a:rPr kumimoji="1" lang="zh-CN" altLang="en-US" sz="1200">
+                <a:solidFill>
+                  <a:prstClr val="black"/>
+                </a:solidFill>
+              </a:rPr>
+              <a:t>场景覆盖</a:t>
+            </a:r>
+          </a:p>
+        </p:txBody>
+      </p:sp>
+      <p:sp>
+        <p:nvSpPr>
+          <p:cNvPr id="3" name="矩形 2">
+            <a:extLst>
+              <a:ext uri="{FF2B5EF4-FFF2-40B4-BE49-F238E27FC236}">
+                <a16:creationId xmlns:a16="http://schemas.microsoft.com/office/drawing/2014/main" id="{3AD6B838-DEBC-1B4E-B5B1-043C74106236}"/>
+              </a:ext>
+            </a:extLst>
+          </p:cNvPr>
+          <p:cNvSpPr/>
+          <p:nvPr/>
+        </p:nvSpPr>
+        <p:spPr>
+          <a:xfrm>
+            <a:off x="4249733" y="258469"/>
+            <a:ext cx="685225" cy="259307"/>
+          </a:xfrm>
+          <a:prstGeom prst="rect">
+            <a:avLst/>
+          </a:prstGeom>
+        </p:spPr>
+        <p:style>
+          <a:lnRef idx="2">
+            <a:schemeClr val="dk1"/>
+          </a:lnRef>
+          <a:fillRef idx="1">
+            <a:schemeClr val="lt1"/>
+          </a:fillRef>
+          <a:effectRef idx="0">
+            <a:schemeClr val="dk1"/>
+          </a:effectRef>
+          <a:fontRef idx="minor">
+            <a:schemeClr val="dk1"/>
+          </a:fontRef>
+        </p:style>
+        <p:txBody>
+          <a:bodyPr rtlCol="0" anchor="ctr"/>
+          <a:lstStyle/>
+          <a:p>
+            <a:pPr algn="ctr"/>
+            <a:r>
+              <a:rPr kumimoji="1" lang="en-US" altLang="zh-CN" sz="1200"/>
+              <a:t>client</a:t>
+            </a:r>
+            <a:r>
+              <a:rPr kumimoji="1" lang="zh-CN" altLang="en-US" sz="1200"/>
+              <a:t> </a:t>
+            </a:r>
+            <a:r>
+              <a:rPr kumimoji="1" lang="en-US" altLang="zh-CN" sz="1200"/>
+              <a:t>b</a:t>
+            </a:r>
+            <a:endParaRPr kumimoji="1" lang="zh-CN" altLang="en-US" sz="1200"/>
+          </a:p>
+        </p:txBody>
+      </p:sp>
+      <p:sp>
+        <p:nvSpPr>
+          <p:cNvPr id="4" name="矩形 3">
+            <a:extLst>
+              <a:ext uri="{FF2B5EF4-FFF2-40B4-BE49-F238E27FC236}">
+                <a16:creationId xmlns:a16="http://schemas.microsoft.com/office/drawing/2014/main" id="{9EE9425D-2A6C-7C4C-B0A3-56933173DB58}"/>
+              </a:ext>
+            </a:extLst>
+          </p:cNvPr>
+          <p:cNvSpPr/>
+          <p:nvPr/>
+        </p:nvSpPr>
+        <p:spPr>
+          <a:xfrm>
+            <a:off x="2655373" y="255227"/>
+            <a:ext cx="685225" cy="259307"/>
+          </a:xfrm>
+          <a:prstGeom prst="rect">
+            <a:avLst/>
+          </a:prstGeom>
+        </p:spPr>
+        <p:style>
+          <a:lnRef idx="2">
+            <a:schemeClr val="dk1"/>
+          </a:lnRef>
+          <a:fillRef idx="1">
+            <a:schemeClr val="lt1"/>
+          </a:fillRef>
+          <a:effectRef idx="0">
+            <a:schemeClr val="dk1"/>
+          </a:effectRef>
+          <a:fontRef idx="minor">
+            <a:schemeClr val="dk1"/>
+          </a:fontRef>
+        </p:style>
+        <p:txBody>
+          <a:bodyPr rtlCol="0" anchor="ctr"/>
+          <a:lstStyle/>
+          <a:p>
+            <a:pPr algn="ctr"/>
+            <a:r>
+              <a:rPr kumimoji="1" lang="en-US" altLang="zh-CN" sz="1200"/>
+              <a:t>client</a:t>
+            </a:r>
+            <a:r>
+              <a:rPr kumimoji="1" lang="zh-CN" altLang="en-US" sz="1200"/>
+              <a:t> </a:t>
+            </a:r>
+            <a:r>
+              <a:rPr kumimoji="1" lang="en-US" altLang="zh-CN" sz="1200"/>
+              <a:t>a</a:t>
+            </a:r>
+            <a:endParaRPr kumimoji="1" lang="zh-CN" altLang="en-US" sz="1200"/>
+          </a:p>
+        </p:txBody>
+      </p:sp>
+      <p:sp>
+        <p:nvSpPr>
+          <p:cNvPr id="5" name="矩形 4">
+            <a:extLst>
+              <a:ext uri="{FF2B5EF4-FFF2-40B4-BE49-F238E27FC236}">
+                <a16:creationId xmlns:a16="http://schemas.microsoft.com/office/drawing/2014/main" id="{042FACC0-E8FC-014E-B121-AF57D140FDEB}"/>
+              </a:ext>
+            </a:extLst>
+          </p:cNvPr>
+          <p:cNvSpPr/>
+          <p:nvPr/>
+        </p:nvSpPr>
+        <p:spPr>
+          <a:xfrm>
+            <a:off x="5935688" y="255227"/>
+            <a:ext cx="685225" cy="259307"/>
+          </a:xfrm>
+          <a:prstGeom prst="rect">
+            <a:avLst/>
+          </a:prstGeom>
+        </p:spPr>
+        <p:style>
+          <a:lnRef idx="2">
+            <a:schemeClr val="dk1"/>
+          </a:lnRef>
+          <a:fillRef idx="1">
+            <a:schemeClr val="lt1"/>
+          </a:fillRef>
+          <a:effectRef idx="0">
+            <a:schemeClr val="dk1"/>
+          </a:effectRef>
+          <a:fontRef idx="minor">
+            <a:schemeClr val="dk1"/>
+          </a:fontRef>
+        </p:style>
+        <p:txBody>
+          <a:bodyPr rtlCol="0" anchor="ctr"/>
+          <a:lstStyle/>
+          <a:p>
+            <a:pPr algn="ctr"/>
+            <a:r>
+              <a:rPr kumimoji="1" lang="en-US" altLang="zh-CN" sz="1200"/>
+              <a:t>client</a:t>
+            </a:r>
+            <a:r>
+              <a:rPr kumimoji="1" lang="zh-CN" altLang="en-US" sz="1200"/>
+              <a:t> </a:t>
+            </a:r>
+            <a:r>
+              <a:rPr kumimoji="1" lang="en-US" altLang="zh-CN" sz="1200"/>
+              <a:t>c</a:t>
+            </a:r>
+            <a:endParaRPr kumimoji="1" lang="zh-CN" altLang="en-US" sz="1200"/>
+          </a:p>
+        </p:txBody>
+      </p:sp>
+      <p:sp>
+        <p:nvSpPr>
+          <p:cNvPr id="6" name="矩形 5">
+            <a:extLst>
+              <a:ext uri="{FF2B5EF4-FFF2-40B4-BE49-F238E27FC236}">
+                <a16:creationId xmlns:a16="http://schemas.microsoft.com/office/drawing/2014/main" id="{78D8676B-8D8D-CC47-91FA-62BDDAA99A66}"/>
+              </a:ext>
+            </a:extLst>
+          </p:cNvPr>
+          <p:cNvSpPr/>
+          <p:nvPr/>
+        </p:nvSpPr>
+        <p:spPr>
+          <a:xfrm>
+            <a:off x="7674094" y="255227"/>
+            <a:ext cx="685225" cy="259307"/>
+          </a:xfrm>
+          <a:prstGeom prst="rect">
+            <a:avLst/>
+          </a:prstGeom>
+        </p:spPr>
+        <p:style>
+          <a:lnRef idx="2">
+            <a:schemeClr val="dk1"/>
+          </a:lnRef>
+          <a:fillRef idx="1">
+            <a:schemeClr val="lt1"/>
+          </a:fillRef>
+          <a:effectRef idx="0">
+            <a:schemeClr val="dk1"/>
+          </a:effectRef>
+          <a:fontRef idx="minor">
+            <a:schemeClr val="dk1"/>
+          </a:fontRef>
+        </p:style>
+        <p:txBody>
+          <a:bodyPr rtlCol="0" anchor="ctr"/>
+          <a:lstStyle/>
+          <a:p>
+            <a:pPr algn="ctr"/>
+            <a:r>
+              <a:rPr kumimoji="1" lang="en-US" altLang="zh-CN" sz="1200"/>
               <a:t>server</a:t>
             </a:r>
             <a:endParaRPr kumimoji="1" lang="zh-CN" altLang="en-US" sz="1200"/>
@@ -14152,7 +14906,7 @@
 </p:sld>
 </file>
 
-<file path=ppt/slides/slide5.xml><?xml version="1.0" encoding="utf-8"?>
+<file path=ppt/slides/slide6.xml><?xml version="1.0" encoding="utf-8"?>
 <p:sld xmlns:a="http://schemas.openxmlformats.org/drawingml/2006/main" xmlns:r="http://schemas.openxmlformats.org/officeDocument/2006/relationships" xmlns:p="http://schemas.openxmlformats.org/presentationml/2006/main">
   <p:cSld>
     <p:spTree>
@@ -16623,7 +17377,7 @@
 </p:sld>
 </file>
 
-<file path=ppt/slides/slide6.xml><?xml version="1.0" encoding="utf-8"?>
+<file path=ppt/slides/slide7.xml><?xml version="1.0" encoding="utf-8"?>
 <p:sld xmlns:a="http://schemas.openxmlformats.org/drawingml/2006/main" xmlns:r="http://schemas.openxmlformats.org/officeDocument/2006/relationships" xmlns:p="http://schemas.openxmlformats.org/presentationml/2006/main">
   <p:cSld>
     <p:spTree>
@@ -16655,7 +17409,7 @@
           <p:nvPr>
             <p:extLst>
               <p:ext uri="{D42A27DB-BD31-4B8C-83A1-F6EECF244321}">
-                <p14:modId xmlns:p14="http://schemas.microsoft.com/office/powerpoint/2010/main" val="1216966805"/>
+                <p14:modId xmlns:p14="http://schemas.microsoft.com/office/powerpoint/2010/main" val="53044162"/>
               </p:ext>
             </p:extLst>
           </p:nvPr>
@@ -16972,7 +17726,7 @@
                       </a:r>
                       <a:r>
                         <a:rPr lang="en-US" altLang="zh-CN" sz="1200"/>
-                        <a:t>[order,</a:t>
+                        <a:t>[net,</a:t>
                       </a:r>
                       <a:r>
                         <a:rPr lang="zh-CN" altLang="en-US" sz="1200"/>
@@ -16980,7 +17734,7 @@
                       </a:r>
                       <a:r>
                         <a:rPr lang="en-US" altLang="zh-CN" sz="1200"/>
-                        <a:t>result]</a:t>
+                        <a:t>local]</a:t>
                       </a:r>
                       <a:endParaRPr lang="zh-CN" altLang="en-US" sz="1200"/>
                     </a:p>
@@ -19209,6 +19963,294 @@
           </a:graphicData>
         </a:graphic>
       </p:graphicFrame>
+      <p:sp>
+        <p:nvSpPr>
+          <p:cNvPr id="7" name="矩形 6">
+            <a:extLst>
+              <a:ext uri="{FF2B5EF4-FFF2-40B4-BE49-F238E27FC236}">
+                <a16:creationId xmlns:a16="http://schemas.microsoft.com/office/drawing/2014/main" id="{F8016E8B-97D3-9B4F-B335-D4F455DB2124}"/>
+              </a:ext>
+            </a:extLst>
+          </p:cNvPr>
+          <p:cNvSpPr/>
+          <p:nvPr/>
+        </p:nvSpPr>
+        <p:spPr>
+          <a:xfrm>
+            <a:off x="2462442" y="5466788"/>
+            <a:ext cx="1216436" cy="345895"/>
+          </a:xfrm>
+          <a:prstGeom prst="rect">
+            <a:avLst/>
+          </a:prstGeom>
+        </p:spPr>
+        <p:style>
+          <a:lnRef idx="2">
+            <a:schemeClr val="dk1"/>
+          </a:lnRef>
+          <a:fillRef idx="1">
+            <a:schemeClr val="lt1"/>
+          </a:fillRef>
+          <a:effectRef idx="0">
+            <a:schemeClr val="dk1"/>
+          </a:effectRef>
+          <a:fontRef idx="minor">
+            <a:schemeClr val="dk1"/>
+          </a:fontRef>
+        </p:style>
+        <p:txBody>
+          <a:bodyPr rtlCol="0" anchor="ctr"/>
+          <a:lstStyle/>
+          <a:p>
+            <a:pPr algn="ctr"/>
+            <a:r>
+              <a:rPr kumimoji="1" lang="en-US" altLang="zh-CN" sz="1200"/>
+              <a:t>src_subject</a:t>
+            </a:r>
+            <a:endParaRPr kumimoji="1" lang="zh-CN" altLang="en-US" sz="1200"/>
+          </a:p>
+        </p:txBody>
+      </p:sp>
+      <p:sp>
+        <p:nvSpPr>
+          <p:cNvPr id="8" name="矩形 7">
+            <a:extLst>
+              <a:ext uri="{FF2B5EF4-FFF2-40B4-BE49-F238E27FC236}">
+                <a16:creationId xmlns:a16="http://schemas.microsoft.com/office/drawing/2014/main" id="{5E7C1BF7-CE6D-2C40-872D-C7E66868DA5D}"/>
+              </a:ext>
+            </a:extLst>
+          </p:cNvPr>
+          <p:cNvSpPr/>
+          <p:nvPr/>
+        </p:nvSpPr>
+        <p:spPr>
+          <a:xfrm>
+            <a:off x="2462442" y="6272614"/>
+            <a:ext cx="1216436" cy="345895"/>
+          </a:xfrm>
+          <a:prstGeom prst="rect">
+            <a:avLst/>
+          </a:prstGeom>
+        </p:spPr>
+        <p:style>
+          <a:lnRef idx="2">
+            <a:schemeClr val="dk1"/>
+          </a:lnRef>
+          <a:fillRef idx="1">
+            <a:schemeClr val="lt1"/>
+          </a:fillRef>
+          <a:effectRef idx="0">
+            <a:schemeClr val="dk1"/>
+          </a:effectRef>
+          <a:fontRef idx="minor">
+            <a:schemeClr val="dk1"/>
+          </a:fontRef>
+        </p:style>
+        <p:txBody>
+          <a:bodyPr rtlCol="0" anchor="ctr"/>
+          <a:lstStyle/>
+          <a:p>
+            <a:pPr algn="ctr"/>
+            <a:r>
+              <a:rPr kumimoji="1" lang="en-US" altLang="zh-CN" sz="1200"/>
+              <a:t>dest_subject</a:t>
+            </a:r>
+            <a:endParaRPr kumimoji="1" lang="zh-CN" altLang="en-US" sz="1200"/>
+          </a:p>
+        </p:txBody>
+      </p:sp>
+      <p:cxnSp>
+        <p:nvCxnSpPr>
+          <p:cNvPr id="10" name="曲线连接符 9">
+            <a:extLst>
+              <a:ext uri="{FF2B5EF4-FFF2-40B4-BE49-F238E27FC236}">
+                <a16:creationId xmlns:a16="http://schemas.microsoft.com/office/drawing/2014/main" id="{DF05677E-CB7D-7647-BA46-33AD3F0CBC27}"/>
+              </a:ext>
+            </a:extLst>
+          </p:cNvPr>
+          <p:cNvCxnSpPr>
+            <a:cxnSpLocks/>
+            <a:stCxn id="7" idx="2"/>
+          </p:cNvCxnSpPr>
+          <p:nvPr/>
+        </p:nvCxnSpPr>
+        <p:spPr>
+          <a:xfrm rot="5400000">
+            <a:off x="2840695" y="6042648"/>
+            <a:ext cx="459931" cy="12700"/>
+          </a:xfrm>
+          <a:prstGeom prst="curvedConnector3">
+            <a:avLst>
+              <a:gd name="adj1" fmla="val 50000"/>
+            </a:avLst>
+          </a:prstGeom>
+          <a:ln>
+            <a:tailEnd type="triangle"/>
+          </a:ln>
+        </p:spPr>
+        <p:style>
+          <a:lnRef idx="1">
+            <a:schemeClr val="accent3"/>
+          </a:lnRef>
+          <a:fillRef idx="0">
+            <a:schemeClr val="accent3"/>
+          </a:fillRef>
+          <a:effectRef idx="0">
+            <a:schemeClr val="accent3"/>
+          </a:effectRef>
+          <a:fontRef idx="minor">
+            <a:schemeClr val="tx1"/>
+          </a:fontRef>
+        </p:style>
+      </p:cxnSp>
+      <p:sp>
+        <p:nvSpPr>
+          <p:cNvPr id="13" name="矩形 12">
+            <a:extLst>
+              <a:ext uri="{FF2B5EF4-FFF2-40B4-BE49-F238E27FC236}">
+                <a16:creationId xmlns:a16="http://schemas.microsoft.com/office/drawing/2014/main" id="{8FDBFCBF-C7F9-8A48-9734-BAC1650FFB86}"/>
+              </a:ext>
+            </a:extLst>
+          </p:cNvPr>
+          <p:cNvSpPr/>
+          <p:nvPr/>
+        </p:nvSpPr>
+        <p:spPr>
+          <a:xfrm>
+            <a:off x="3247783" y="5910498"/>
+            <a:ext cx="878767" cy="276999"/>
+          </a:xfrm>
+          <a:prstGeom prst="rect">
+            <a:avLst/>
+          </a:prstGeom>
+        </p:spPr>
+        <p:txBody>
+          <a:bodyPr wrap="none">
+            <a:spAutoFit/>
+          </a:bodyPr>
+          <a:lstStyle/>
+          <a:p>
+            <a:pPr lvl="0"/>
+            <a:r>
+              <a:rPr kumimoji="1" lang="en-US" altLang="zh-CN" sz="1200">
+                <a:solidFill>
+                  <a:prstClr val="black"/>
+                </a:solidFill>
+              </a:rPr>
+              <a:t>order_plus</a:t>
+            </a:r>
+            <a:endParaRPr kumimoji="1" lang="zh-CN" altLang="en-US" sz="1200">
+              <a:solidFill>
+                <a:prstClr val="black"/>
+              </a:solidFill>
+            </a:endParaRPr>
+          </a:p>
+        </p:txBody>
+      </p:sp>
+      <p:sp>
+        <p:nvSpPr>
+          <p:cNvPr id="14" name="矩形 13">
+            <a:extLst>
+              <a:ext uri="{FF2B5EF4-FFF2-40B4-BE49-F238E27FC236}">
+                <a16:creationId xmlns:a16="http://schemas.microsoft.com/office/drawing/2014/main" id="{D05BDC6A-6745-3A43-9687-A05E53FC1196}"/>
+              </a:ext>
+            </a:extLst>
+          </p:cNvPr>
+          <p:cNvSpPr/>
+          <p:nvPr/>
+        </p:nvSpPr>
+        <p:spPr>
+          <a:xfrm>
+            <a:off x="4126550" y="6445561"/>
+            <a:ext cx="604653" cy="276999"/>
+          </a:xfrm>
+          <a:prstGeom prst="rect">
+            <a:avLst/>
+          </a:prstGeom>
+        </p:spPr>
+        <p:txBody>
+          <a:bodyPr wrap="none">
+            <a:spAutoFit/>
+          </a:bodyPr>
+          <a:lstStyle/>
+          <a:p>
+            <a:pPr lvl="0"/>
+            <a:r>
+              <a:rPr kumimoji="1" lang="en-US" altLang="zh-CN" sz="1200">
+                <a:solidFill>
+                  <a:prstClr val="black"/>
+                </a:solidFill>
+              </a:rPr>
+              <a:t>statius</a:t>
+            </a:r>
+            <a:endParaRPr kumimoji="1" lang="zh-CN" altLang="en-US" sz="1200">
+              <a:solidFill>
+                <a:prstClr val="black"/>
+              </a:solidFill>
+            </a:endParaRPr>
+          </a:p>
+        </p:txBody>
+      </p:sp>
+      <p:sp>
+        <p:nvSpPr>
+          <p:cNvPr id="15" name="矩形 14">
+            <a:extLst>
+              <a:ext uri="{FF2B5EF4-FFF2-40B4-BE49-F238E27FC236}">
+                <a16:creationId xmlns:a16="http://schemas.microsoft.com/office/drawing/2014/main" id="{7E1FCB48-8A64-5E4E-829A-29A47015D424}"/>
+              </a:ext>
+            </a:extLst>
+          </p:cNvPr>
+          <p:cNvSpPr/>
+          <p:nvPr/>
+        </p:nvSpPr>
+        <p:spPr>
+          <a:xfrm>
+            <a:off x="2637627" y="5021437"/>
+            <a:ext cx="878767" cy="276999"/>
+          </a:xfrm>
+          <a:prstGeom prst="rect">
+            <a:avLst/>
+          </a:prstGeom>
+        </p:spPr>
+        <p:txBody>
+          <a:bodyPr wrap="none">
+            <a:spAutoFit/>
+          </a:bodyPr>
+          <a:lstStyle/>
+          <a:p>
+            <a:pPr lvl="0"/>
+            <a:r>
+              <a:rPr kumimoji="1" lang="en-US" altLang="zh-CN" sz="1200">
+                <a:solidFill>
+                  <a:prstClr val="black"/>
+                </a:solidFill>
+              </a:rPr>
+              <a:t>event</a:t>
+            </a:r>
+            <a:r>
+              <a:rPr kumimoji="1" lang="zh-CN" altLang="en-US" sz="1200">
+                <a:solidFill>
+                  <a:prstClr val="black"/>
+                </a:solidFill>
+              </a:rPr>
+              <a:t> </a:t>
+            </a:r>
+            <a:r>
+              <a:rPr kumimoji="1" lang="en-US" altLang="zh-CN" sz="1200">
+                <a:solidFill>
+                  <a:prstClr val="black"/>
+                </a:solidFill>
+              </a:rPr>
+              <a:t>type</a:t>
+            </a:r>
+            <a:endParaRPr kumimoji="1" lang="zh-CN" altLang="en-US" sz="1200">
+              <a:solidFill>
+                <a:prstClr val="black"/>
+              </a:solidFill>
+            </a:endParaRPr>
+          </a:p>
+        </p:txBody>
+      </p:sp>
     </p:spTree>
     <p:extLst>
       <p:ext uri="{BB962C8B-B14F-4D97-AF65-F5344CB8AC3E}">
@@ -19222,7 +20264,7 @@
 </p:sld>
 </file>
 
-<file path=ppt/slides/slide7.xml><?xml version="1.0" encoding="utf-8"?>
+<file path=ppt/slides/slide8.xml><?xml version="1.0" encoding="utf-8"?>
 <p:sld xmlns:a="http://schemas.openxmlformats.org/drawingml/2006/main" xmlns:r="http://schemas.openxmlformats.org/officeDocument/2006/relationships" xmlns:p="http://schemas.openxmlformats.org/presentationml/2006/main">
   <p:cSld>
     <p:spTree>
@@ -21265,78 +22307,6 @@
 </p:sld>
 </file>
 
-<file path=ppt/slides/slide8.xml><?xml version="1.0" encoding="utf-8"?>
-<p:sld xmlns:a="http://schemas.openxmlformats.org/drawingml/2006/main" xmlns:r="http://schemas.openxmlformats.org/officeDocument/2006/relationships" xmlns:p="http://schemas.openxmlformats.org/presentationml/2006/main">
-  <p:cSld>
-    <p:spTree>
-      <p:nvGrpSpPr>
-        <p:cNvPr id="1" name=""/>
-        <p:cNvGrpSpPr/>
-        <p:nvPr/>
-      </p:nvGrpSpPr>
-      <p:grpSpPr>
-        <a:xfrm>
-          <a:off x="0" y="0"/>
-          <a:ext cx="0" cy="0"/>
-          <a:chOff x="0" y="0"/>
-          <a:chExt cx="0" cy="0"/>
-        </a:xfrm>
-      </p:grpSpPr>
-      <p:sp>
-        <p:nvSpPr>
-          <p:cNvPr id="2" name="矩形 1">
-            <a:extLst>
-              <a:ext uri="{FF2B5EF4-FFF2-40B4-BE49-F238E27FC236}">
-                <a16:creationId xmlns:a16="http://schemas.microsoft.com/office/drawing/2014/main" id="{57586EF3-079C-A94A-8C67-69E509DD211A}"/>
-              </a:ext>
-            </a:extLst>
-          </p:cNvPr>
-          <p:cNvSpPr/>
-          <p:nvPr/>
-        </p:nvSpPr>
-        <p:spPr>
-          <a:xfrm>
-            <a:off x="0" y="135177"/>
-            <a:ext cx="1127232" cy="276999"/>
-          </a:xfrm>
-          <a:prstGeom prst="rect">
-            <a:avLst/>
-          </a:prstGeom>
-        </p:spPr>
-        <p:txBody>
-          <a:bodyPr wrap="none">
-            <a:spAutoFit/>
-          </a:bodyPr>
-          <a:lstStyle/>
-          <a:p>
-            <a:pPr marL="171450" lvl="0" indent="-171450">
-              <a:buFont typeface="Arial" panose="020B0604020202020204" pitchFamily="34" charset="0"/>
-              <a:buChar char="•"/>
-            </a:pPr>
-            <a:r>
-              <a:rPr kumimoji="1" lang="zh-CN" altLang="en-US" sz="1200">
-                <a:solidFill>
-                  <a:prstClr val="black"/>
-                </a:solidFill>
-              </a:rPr>
-              <a:t>子模块设计</a:t>
-            </a:r>
-          </a:p>
-        </p:txBody>
-      </p:sp>
-    </p:spTree>
-    <p:extLst>
-      <p:ext uri="{BB962C8B-B14F-4D97-AF65-F5344CB8AC3E}">
-        <p14:creationId xmlns:p14="http://schemas.microsoft.com/office/powerpoint/2010/main" val="3063221753"/>
-      </p:ext>
-    </p:extLst>
-  </p:cSld>
-  <p:clrMapOvr>
-    <a:masterClrMapping/>
-  </p:clrMapOvr>
-</p:sld>
-</file>
-
 <file path=ppt/slides/slide9.xml><?xml version="1.0" encoding="utf-8"?>
 <p:sld xmlns:a="http://schemas.openxmlformats.org/drawingml/2006/main" xmlns:r="http://schemas.openxmlformats.org/officeDocument/2006/relationships" xmlns:p="http://schemas.openxmlformats.org/presentationml/2006/main">
   <p:cSld>
@@ -21359,7 +22329,7 @@
           <p:cNvPr id="2" name="矩形 1">
             <a:extLst>
               <a:ext uri="{FF2B5EF4-FFF2-40B4-BE49-F238E27FC236}">
-                <a16:creationId xmlns:a16="http://schemas.microsoft.com/office/drawing/2014/main" id="{56D8AB6B-15BC-2F49-9D36-3AFF44EA6CE0}"/>
+                <a16:creationId xmlns:a16="http://schemas.microsoft.com/office/drawing/2014/main" id="{57586EF3-079C-A94A-8C67-69E509DD211A}"/>
               </a:ext>
             </a:extLst>
           </p:cNvPr>
@@ -21369,7 +22339,7 @@
         <p:spPr>
           <a:xfrm>
             <a:off x="0" y="135177"/>
-            <a:ext cx="973343" cy="276999"/>
+            <a:ext cx="1127232" cy="276999"/>
           </a:xfrm>
           <a:prstGeom prst="rect">
             <a:avLst/>
@@ -21391,7 +22361,7 @@
                   <a:prstClr val="black"/>
                 </a:solidFill>
               </a:rPr>
-              <a:t>执行流程</a:t>
+              <a:t>子模块设计</a:t>
             </a:r>
           </a:p>
         </p:txBody>
@@ -21399,7 +22369,7 @@
     </p:spTree>
     <p:extLst>
       <p:ext uri="{BB962C8B-B14F-4D97-AF65-F5344CB8AC3E}">
-        <p14:creationId xmlns:p14="http://schemas.microsoft.com/office/powerpoint/2010/main" val="3612344785"/>
+        <p14:creationId xmlns:p14="http://schemas.microsoft.com/office/powerpoint/2010/main" val="3063221753"/>
       </p:ext>
     </p:extLst>
   </p:cSld>
